--- a/Zad3_uloha_E/prez.pptx
+++ b/Zad3_uloha_E/prez.pptx
@@ -5,15 +5,16 @@
     <p:sldMasterId id="2147483712" r:id="rId1"/>
   </p:sldMasterIdLst>
   <p:notesMasterIdLst>
-    <p:notesMasterId r:id="rId8"/>
+    <p:notesMasterId r:id="rId9"/>
   </p:notesMasterIdLst>
   <p:sldIdLst>
     <p:sldId id="256" r:id="rId2"/>
     <p:sldId id="257" r:id="rId3"/>
     <p:sldId id="259" r:id="rId4"/>
-    <p:sldId id="260" r:id="rId5"/>
-    <p:sldId id="258" r:id="rId6"/>
+    <p:sldId id="258" r:id="rId5"/>
+    <p:sldId id="260" r:id="rId6"/>
     <p:sldId id="261" r:id="rId7"/>
+    <p:sldId id="262" r:id="rId8"/>
   </p:sldIdLst>
   <p:sldSz cx="12192000" cy="6858000"/>
   <p:notesSz cx="6858000" cy="9144000"/>
@@ -627,7 +628,7 @@
     </p:spTree>
     <p:extLst>
       <p:ext uri="{BB962C8B-B14F-4D97-AF65-F5344CB8AC3E}">
-        <p14:creationId xmlns:p14="http://schemas.microsoft.com/office/powerpoint/2010/main" val="2597120395"/>
+        <p14:creationId xmlns:p14="http://schemas.microsoft.com/office/powerpoint/2010/main" val="807456508"/>
       </p:ext>
     </p:extLst>
   </p:cSld>
@@ -711,7 +712,7 @@
     </p:spTree>
     <p:extLst>
       <p:ext uri="{BB962C8B-B14F-4D97-AF65-F5344CB8AC3E}">
-        <p14:creationId xmlns:p14="http://schemas.microsoft.com/office/powerpoint/2010/main" val="807456508"/>
+        <p14:creationId xmlns:p14="http://schemas.microsoft.com/office/powerpoint/2010/main" val="2597120395"/>
       </p:ext>
     </p:extLst>
   </p:cSld>
@@ -5992,7 +5993,7 @@
           <a:lstStyle/>
           <a:p>
             <a:pPr algn="ctr"/>
-            <a:endParaRPr lang="en-US"/>
+            <a:endParaRPr lang="sk-SK" noProof="0" dirty="0"/>
           </a:p>
         </p:txBody>
       </p:sp>
@@ -6025,66 +6026,25 @@
           <a:lstStyle/>
           <a:p>
             <a:r>
-              <a:rPr lang="en-US" sz="2800" dirty="0" err="1"/>
-              <a:t>Spracovanie</a:t>
-            </a:r>
-            <a:r>
-              <a:rPr lang="en-US" sz="2800" dirty="0"/>
-              <a:t> </a:t>
-            </a:r>
-            <a:r>
-              <a:rPr lang="en-US" sz="2800" dirty="0" err="1"/>
-              <a:t>obrazu</a:t>
-            </a:r>
-            <a:r>
-              <a:rPr lang="en-US" sz="2800" dirty="0"/>
-              <a:t> z </a:t>
-            </a:r>
-            <a:r>
-              <a:rPr lang="en-US" sz="2800" dirty="0" err="1"/>
-              <a:t>kamery</a:t>
-            </a:r>
-            <a:r>
-              <a:rPr lang="en-US" sz="2800" dirty="0"/>
-              <a:t> </a:t>
-            </a:r>
-            <a:r>
-              <a:rPr lang="en-US" sz="2800" dirty="0" err="1"/>
-              <a:t>pomocou</a:t>
-            </a:r>
-            <a:r>
-              <a:rPr lang="en-US" sz="2800" dirty="0"/>
-              <a:t> </a:t>
-            </a:r>
-            <a:r>
-              <a:rPr lang="en-US" sz="2800" dirty="0" err="1"/>
+              <a:rPr lang="sk-SK" sz="2800" noProof="0" dirty="0"/>
+              <a:t>Spracovanie obrazu z kamery pomocou </a:t>
+            </a:r>
+            <a:r>
+              <a:rPr lang="sk-SK" sz="2800" noProof="0" dirty="0" err="1"/>
               <a:t>DoG</a:t>
             </a:r>
             <a:r>
-              <a:rPr lang="en-US" sz="2800" dirty="0"/>
-              <a:t> filtra a </a:t>
-            </a:r>
-            <a:r>
-              <a:rPr lang="en-US" sz="2800" dirty="0" err="1"/>
-              <a:t>vytvorenie</a:t>
-            </a:r>
-            <a:r>
-              <a:rPr lang="en-US" sz="2800" dirty="0"/>
-              <a:t> </a:t>
-            </a:r>
-            <a:r>
-              <a:rPr lang="en-US" sz="2800" dirty="0" err="1"/>
+              <a:rPr lang="sk-SK" sz="2800" noProof="0" dirty="0"/>
+              <a:t> filtra a vytvorenie </a:t>
+            </a:r>
+            <a:r>
+              <a:rPr lang="sk-SK" sz="2800" noProof="0" dirty="0" err="1"/>
               <a:t>histogramovej</a:t>
             </a:r>
             <a:r>
-              <a:rPr lang="en-US" sz="2800" dirty="0"/>
-              <a:t> anal</a:t>
-            </a:r>
-            <a:r>
-              <a:rPr lang="sk-SK" sz="2800" dirty="0" err="1"/>
-              <a:t>ýzy</a:t>
-            </a:r>
-            <a:endParaRPr lang="en-US" sz="2800" dirty="0"/>
+              <a:rPr lang="sk-SK" sz="2800" noProof="0" dirty="0"/>
+              <a:t> analýzy</a:t>
+            </a:r>
           </a:p>
         </p:txBody>
       </p:sp>
@@ -6117,14 +6077,24 @@
           <a:lstStyle/>
           <a:p>
             <a:r>
-              <a:rPr lang="sk-SK" dirty="0"/>
-              <a:t>Zoltán Sármány a Michal </a:t>
-            </a:r>
-            <a:r>
-              <a:rPr lang="sk-SK" dirty="0" err="1"/>
-              <a:t>Zborovjan</a:t>
-            </a:r>
-            <a:endParaRPr lang="en-US" dirty="0"/>
+              <a:rPr lang="sk-SK" noProof="0" dirty="0"/>
+              <a:t>Zoltán </a:t>
+            </a:r>
+            <a:r>
+              <a:rPr lang="sk-SK" noProof="0" dirty="0" err="1"/>
+              <a:t>Sármány</a:t>
+            </a:r>
+            <a:r>
+              <a:rPr lang="sk-SK" noProof="0" dirty="0"/>
+              <a:t> </a:t>
+            </a:r>
+            <a:br>
+              <a:rPr lang="sk-SK" noProof="0" dirty="0"/>
+            </a:br>
+            <a:r>
+              <a:rPr lang="sk-SK" noProof="0" dirty="0"/>
+              <a:t>Michal Zborovjan</a:t>
+            </a:r>
           </a:p>
         </p:txBody>
       </p:sp>
@@ -6246,7 +6216,7 @@
           <a:lstStyle/>
           <a:p>
             <a:pPr lvl="0" algn="ctr"/>
-            <a:endParaRPr lang="en-US"/>
+            <a:endParaRPr lang="sk-SK" noProof="0" dirty="0"/>
           </a:p>
         </p:txBody>
       </p:sp>
@@ -6339,7 +6309,7 @@
           <a:lstStyle/>
           <a:p>
             <a:pPr lvl="0" algn="ctr"/>
-            <a:endParaRPr lang="en-US"/>
+            <a:endParaRPr lang="sk-SK" noProof="0" dirty="0"/>
           </a:p>
         </p:txBody>
       </p:sp>
@@ -6437,7 +6407,7 @@
           <a:lstStyle/>
           <a:p>
             <a:pPr algn="ctr"/>
-            <a:endParaRPr lang="en-US"/>
+            <a:endParaRPr lang="sk-SK" noProof="0" dirty="0"/>
           </a:p>
         </p:txBody>
       </p:sp>
@@ -6459,8 +6429,8 @@
         </p:nvSpPr>
         <p:spPr>
           <a:xfrm>
-            <a:off x="576072" y="455362"/>
-            <a:ext cx="3603625" cy="1550419"/>
+            <a:off x="576072" y="455363"/>
+            <a:ext cx="3603625" cy="1083506"/>
           </a:xfrm>
         </p:spPr>
         <p:txBody>
@@ -6470,10 +6440,9 @@
           <a:lstStyle/>
           <a:p>
             <a:r>
-              <a:rPr lang="sk-SK" dirty="0"/>
-              <a:t>Zachytenie obrazu</a:t>
-            </a:r>
-            <a:endParaRPr lang="en-US" dirty="0"/>
+              <a:rPr lang="sk-SK" noProof="0" dirty="0"/>
+              <a:t>Obsah</a:t>
+            </a:r>
           </a:p>
         </p:txBody>
       </p:sp>
@@ -6495,8 +6464,8 @@
         </p:nvSpPr>
         <p:spPr>
           <a:xfrm>
-            <a:off x="576072" y="2160016"/>
-            <a:ext cx="3603625" cy="3926152"/>
+            <a:off x="576072" y="1304693"/>
+            <a:ext cx="4169283" cy="5319131"/>
           </a:xfrm>
         </p:spPr>
         <p:txBody>
@@ -6506,10 +6475,87 @@
           <a:lstStyle/>
           <a:p>
             <a:r>
-              <a:rPr lang="sk-SK" dirty="0"/>
+              <a:rPr lang="sk-SK" noProof="0" dirty="0"/>
               <a:t>cv2 – zobrazenie a uloženie obrázka</a:t>
             </a:r>
-            <a:endParaRPr lang="en-US" dirty="0"/>
+          </a:p>
+          <a:p>
+            <a:r>
+              <a:rPr lang="sk-SK" noProof="0" dirty="0"/>
+              <a:t>Úprava do sivej</a:t>
+            </a:r>
+          </a:p>
+          <a:p>
+            <a:r>
+              <a:rPr lang="sk-SK" noProof="0" dirty="0"/>
+              <a:t>Aplikovanie </a:t>
+            </a:r>
+            <a:r>
+              <a:rPr lang="sk-SK" noProof="0" dirty="0" err="1"/>
+              <a:t>gaussovho</a:t>
+            </a:r>
+            <a:r>
+              <a:rPr lang="sk-SK" noProof="0" dirty="0"/>
+              <a:t> rozmazania</a:t>
+            </a:r>
+          </a:p>
+          <a:p>
+            <a:r>
+              <a:rPr lang="sk-SK" noProof="0" dirty="0"/>
+              <a:t>Vytvorenie </a:t>
+            </a:r>
+            <a:r>
+              <a:rPr lang="sk-SK" noProof="0" dirty="0" err="1"/>
+              <a:t>gau</a:t>
+            </a:r>
+            <a:r>
+              <a:rPr lang="en-GB" noProof="0" dirty="0"/>
+              <a:t>s</a:t>
+            </a:r>
+            <a:r>
+              <a:rPr lang="sk-SK" noProof="0" dirty="0" err="1"/>
+              <a:t>sových</a:t>
+            </a:r>
+            <a:r>
+              <a:rPr lang="sk-SK" noProof="0" dirty="0"/>
+              <a:t> filtrov</a:t>
+            </a:r>
+          </a:p>
+          <a:p>
+            <a:r>
+              <a:rPr lang="sk-SK" noProof="0" dirty="0"/>
+              <a:t>Odčítanie filtrov na získanie </a:t>
+            </a:r>
+            <a:r>
+              <a:rPr lang="sk-SK" noProof="0" dirty="0" err="1"/>
+              <a:t>DoG</a:t>
+            </a:r>
+            <a:endParaRPr lang="sk-SK" noProof="0" dirty="0"/>
+          </a:p>
+          <a:p>
+            <a:r>
+              <a:rPr lang="sk-SK" noProof="0" dirty="0"/>
+              <a:t>Aplikácia </a:t>
+            </a:r>
+            <a:r>
+              <a:rPr lang="sk-SK" noProof="0" dirty="0" err="1"/>
+              <a:t>DoG</a:t>
+            </a:r>
+            <a:endParaRPr lang="sk-SK" noProof="0" dirty="0"/>
+          </a:p>
+          <a:p>
+            <a:r>
+              <a:rPr lang="sk-SK" noProof="0" dirty="0"/>
+              <a:t>Vytvorenie </a:t>
+            </a:r>
+            <a:r>
+              <a:rPr lang="sk-SK" noProof="0" dirty="0" err="1"/>
+              <a:t>histogramu</a:t>
+            </a:r>
+            <a:r>
+              <a:rPr lang="sk-SK" noProof="0" dirty="0"/>
+              <a:t> farieb</a:t>
+            </a:r>
           </a:p>
         </p:txBody>
       </p:sp>
@@ -6637,7 +6683,7 @@
           <a:lstStyle/>
           <a:p>
             <a:pPr algn="ctr"/>
-            <a:endParaRPr lang="en-US"/>
+            <a:endParaRPr lang="sk-SK" noProof="0" dirty="0"/>
           </a:p>
         </p:txBody>
       </p:sp>
@@ -6730,7 +6776,7 @@
           <a:lstStyle/>
           <a:p>
             <a:pPr algn="ctr"/>
-            <a:endParaRPr lang="en-US"/>
+            <a:endParaRPr lang="sk-SK" noProof="0" dirty="0"/>
           </a:p>
         </p:txBody>
       </p:sp>
@@ -6920,7 +6966,7 @@
           <a:lstStyle/>
           <a:p>
             <a:pPr algn="ctr"/>
-            <a:endParaRPr lang="en-US"/>
+            <a:endParaRPr lang="sk-SK" noProof="0" dirty="0"/>
           </a:p>
         </p:txBody>
       </p:sp>
@@ -6958,26 +7004,9 @@
               </a:lnSpc>
             </a:pPr>
             <a:r>
-              <a:rPr lang="en-US" sz="3700" err="1"/>
-              <a:t>Konverzia</a:t>
-            </a:r>
-            <a:r>
-              <a:rPr lang="en-US" sz="3700"/>
-              <a:t> do </a:t>
-            </a:r>
-            <a:r>
-              <a:rPr lang="en-US" sz="3700" err="1"/>
-              <a:t>odtieňov</a:t>
-            </a:r>
-            <a:r>
-              <a:rPr lang="en-US" sz="3700"/>
-              <a:t> </a:t>
-            </a:r>
-            <a:r>
-              <a:rPr lang="en-US" sz="3700" err="1"/>
-              <a:t>sivej</a:t>
-            </a:r>
-            <a:endParaRPr lang="en-US" sz="3700"/>
+              <a:rPr lang="sk-SK" sz="3700" noProof="0" dirty="0"/>
+              <a:t>Konverzia do odtieňov sivej</a:t>
+            </a:r>
           </a:p>
         </p:txBody>
       </p:sp>
@@ -7010,7 +7039,7 @@
           <a:lstStyle/>
           <a:p>
             <a:r>
-              <a:rPr lang="en-US" dirty="0"/>
+              <a:rPr lang="sk-SK" noProof="0" dirty="0"/>
               <a:t>Gray=0.299⋅R+0.587⋅G+0.114⋅B</a:t>
             </a:r>
           </a:p>
@@ -7134,7 +7163,7 @@
           <a:lstStyle/>
           <a:p>
             <a:pPr algn="ctr"/>
-            <a:endParaRPr lang="en-US"/>
+            <a:endParaRPr lang="sk-SK" noProof="0" dirty="0"/>
           </a:p>
         </p:txBody>
       </p:sp>
@@ -7227,7 +7256,7 @@
           <a:lstStyle/>
           <a:p>
             <a:pPr algn="ctr"/>
-            <a:endParaRPr lang="en-US"/>
+            <a:endParaRPr lang="sk-SK" noProof="0" dirty="0"/>
           </a:p>
         </p:txBody>
       </p:sp>
@@ -7245,392 +7274,6 @@
 </file>
 
 <file path=ppt/slides/slide4.xml><?xml version="1.0" encoding="utf-8"?>
-<p:sld xmlns:a="http://schemas.openxmlformats.org/drawingml/2006/main" xmlns:r="http://schemas.openxmlformats.org/officeDocument/2006/relationships" xmlns:p="http://schemas.openxmlformats.org/presentationml/2006/main">
-  <p:cSld>
-    <p:spTree>
-      <p:nvGrpSpPr>
-        <p:cNvPr id="1" name=""/>
-        <p:cNvGrpSpPr/>
-        <p:nvPr/>
-      </p:nvGrpSpPr>
-      <p:grpSpPr>
-        <a:xfrm>
-          <a:off x="0" y="0"/>
-          <a:ext cx="0" cy="0"/>
-          <a:chOff x="0" y="0"/>
-          <a:chExt cx="0" cy="0"/>
-        </a:xfrm>
-      </p:grpSpPr>
-      <p:sp>
-        <p:nvSpPr>
-          <p:cNvPr id="2" name="Title 1">
-            <a:extLst>
-              <a:ext uri="{FF2B5EF4-FFF2-40B4-BE49-F238E27FC236}">
-                <a16:creationId xmlns:a16="http://schemas.microsoft.com/office/drawing/2014/main" id="{69E6B352-BAB7-A1B9-7DDD-EE49A013B8EB}"/>
-              </a:ext>
-            </a:extLst>
-          </p:cNvPr>
-          <p:cNvSpPr>
-            <a:spLocks noGrp="1"/>
-          </p:cNvSpPr>
-          <p:nvPr>
-            <p:ph type="title"/>
-          </p:nvPr>
-        </p:nvSpPr>
-        <p:spPr/>
-        <p:txBody>
-          <a:bodyPr/>
-          <a:lstStyle/>
-          <a:p>
-            <a:r>
-              <a:rPr lang="en-US" dirty="0" err="1"/>
-              <a:t>Vlastn</a:t>
-            </a:r>
-            <a:r>
-              <a:rPr lang="sk-SK" dirty="0"/>
-              <a:t>á 2D </a:t>
-            </a:r>
-            <a:r>
-              <a:rPr lang="sk-SK" dirty="0" err="1"/>
-              <a:t>konvolúcia</a:t>
-            </a:r>
-            <a:endParaRPr lang="en-US" dirty="0"/>
-          </a:p>
-        </p:txBody>
-      </p:sp>
-      <mc:AlternateContent xmlns:mc="http://schemas.openxmlformats.org/markup-compatibility/2006" xmlns:a14="http://schemas.microsoft.com/office/drawing/2010/main">
-        <mc:Choice Requires="a14">
-          <p:sp>
-            <p:nvSpPr>
-              <p:cNvPr id="3" name="Content Placeholder 2">
-                <a:extLst>
-                  <a:ext uri="{FF2B5EF4-FFF2-40B4-BE49-F238E27FC236}">
-                    <a16:creationId xmlns:a16="http://schemas.microsoft.com/office/drawing/2014/main" id="{5EB6AE0C-8C48-07AC-2CEB-34656A046438}"/>
-                  </a:ext>
-                </a:extLst>
-              </p:cNvPr>
-              <p:cNvSpPr>
-                <a:spLocks noGrp="1"/>
-              </p:cNvSpPr>
-              <p:nvPr>
-                <p:ph idx="1"/>
-              </p:nvPr>
-            </p:nvSpPr>
-            <p:spPr/>
-            <p:txBody>
-              <a:bodyPr/>
-              <a:lstStyle/>
-              <a:p>
-                <a14:m>
-                  <m:oMath xmlns:m="http://schemas.openxmlformats.org/officeDocument/2006/math">
-                    <m:sSub>
-                      <m:sSubPr>
-                        <m:ctrlPr>
-                          <a:rPr lang="en-US" i="1" smtClean="0">
-                            <a:latin typeface="Cambria Math" panose="02040503050406030204" pitchFamily="18" charset="0"/>
-                          </a:rPr>
-                        </m:ctrlPr>
-                      </m:sSubPr>
-                      <m:e>
-                        <m:r>
-                          <a:rPr lang="en-US" b="0" i="1" smtClean="0">
-                            <a:latin typeface="Cambria Math" panose="02040503050406030204" pitchFamily="18" charset="0"/>
-                          </a:rPr>
-                          <m:t>𝐼</m:t>
-                        </m:r>
-                      </m:e>
-                      <m:sub>
-                        <m:r>
-                          <a:rPr lang="en-US" b="0" i="1" smtClean="0">
-                            <a:latin typeface="Cambria Math" panose="02040503050406030204" pitchFamily="18" charset="0"/>
-                          </a:rPr>
-                          <m:t>𝑜𝑢𝑡</m:t>
-                        </m:r>
-                      </m:sub>
-                    </m:sSub>
-                    <m:d>
-                      <m:dPr>
-                        <m:ctrlPr>
-                          <a:rPr lang="en-US" b="0" i="1" smtClean="0">
-                            <a:latin typeface="Cambria Math" panose="02040503050406030204" pitchFamily="18" charset="0"/>
-                          </a:rPr>
-                        </m:ctrlPr>
-                      </m:dPr>
-                      <m:e>
-                        <m:r>
-                          <a:rPr lang="en-US" b="0" i="1" smtClean="0">
-                            <a:latin typeface="Cambria Math" panose="02040503050406030204" pitchFamily="18" charset="0"/>
-                          </a:rPr>
-                          <m:t>𝑖</m:t>
-                        </m:r>
-                        <m:r>
-                          <a:rPr lang="en-US" b="0" i="1" smtClean="0">
-                            <a:latin typeface="Cambria Math" panose="02040503050406030204" pitchFamily="18" charset="0"/>
-                          </a:rPr>
-                          <m:t>,</m:t>
-                        </m:r>
-                        <m:r>
-                          <a:rPr lang="en-US" b="0" i="1" smtClean="0">
-                            <a:latin typeface="Cambria Math" panose="02040503050406030204" pitchFamily="18" charset="0"/>
-                          </a:rPr>
-                          <m:t>𝑗</m:t>
-                        </m:r>
-                      </m:e>
-                    </m:d>
-                    <m:r>
-                      <a:rPr lang="en-US" b="0" i="1" smtClean="0">
-                        <a:latin typeface="Cambria Math" panose="02040503050406030204" pitchFamily="18" charset="0"/>
-                      </a:rPr>
-                      <m:t>=</m:t>
-                    </m:r>
-                    <m:nary>
-                      <m:naryPr>
-                        <m:chr m:val="∑"/>
-                        <m:ctrlPr>
-                          <a:rPr lang="en-US" b="0" i="1" smtClean="0">
-                            <a:latin typeface="Cambria Math" panose="02040503050406030204" pitchFamily="18" charset="0"/>
-                          </a:rPr>
-                        </m:ctrlPr>
-                      </m:naryPr>
-                      <m:sub>
-                        <m:r>
-                          <m:rPr>
-                            <m:brk m:alnAt="23"/>
-                          </m:rPr>
-                          <a:rPr lang="en-US" b="0" i="1" smtClean="0">
-                            <a:latin typeface="Cambria Math" panose="02040503050406030204" pitchFamily="18" charset="0"/>
-                          </a:rPr>
-                          <m:t>𝑚</m:t>
-                        </m:r>
-                        <m:r>
-                          <a:rPr lang="en-US" b="0" i="1" smtClean="0">
-                            <a:latin typeface="Cambria Math" panose="02040503050406030204" pitchFamily="18" charset="0"/>
-                          </a:rPr>
-                          <m:t>=−</m:t>
-                        </m:r>
-                        <m:r>
-                          <a:rPr lang="en-US" b="0" i="1" smtClean="0">
-                            <a:latin typeface="Cambria Math" panose="02040503050406030204" pitchFamily="18" charset="0"/>
-                          </a:rPr>
-                          <m:t>𝑘</m:t>
-                        </m:r>
-                      </m:sub>
-                      <m:sup>
-                        <m:r>
-                          <a:rPr lang="en-US" b="0" i="1" smtClean="0">
-                            <a:latin typeface="Cambria Math" panose="02040503050406030204" pitchFamily="18" charset="0"/>
-                          </a:rPr>
-                          <m:t>𝑘</m:t>
-                        </m:r>
-                      </m:sup>
-                      <m:e>
-                        <m:nary>
-                          <m:naryPr>
-                            <m:chr m:val="∑"/>
-                            <m:ctrlPr>
-                              <a:rPr lang="en-US" b="0" i="1" smtClean="0">
-                                <a:latin typeface="Cambria Math" panose="02040503050406030204" pitchFamily="18" charset="0"/>
-                              </a:rPr>
-                            </m:ctrlPr>
-                          </m:naryPr>
-                          <m:sub>
-                            <m:r>
-                              <m:rPr>
-                                <m:brk m:alnAt="23"/>
-                              </m:rPr>
-                              <a:rPr lang="en-US" b="0" i="1" smtClean="0">
-                                <a:latin typeface="Cambria Math" panose="02040503050406030204" pitchFamily="18" charset="0"/>
-                              </a:rPr>
-                              <m:t>𝑛</m:t>
-                            </m:r>
-                            <m:r>
-                              <a:rPr lang="en-US" b="0" i="1" smtClean="0">
-                                <a:latin typeface="Cambria Math" panose="02040503050406030204" pitchFamily="18" charset="0"/>
-                              </a:rPr>
-                              <m:t>=−</m:t>
-                            </m:r>
-                            <m:r>
-                              <a:rPr lang="en-US" b="0" i="1" smtClean="0">
-                                <a:latin typeface="Cambria Math" panose="02040503050406030204" pitchFamily="18" charset="0"/>
-                              </a:rPr>
-                              <m:t>𝑘</m:t>
-                            </m:r>
-                          </m:sub>
-                          <m:sup>
-                            <m:r>
-                              <a:rPr lang="en-US" b="0" i="1" smtClean="0">
-                                <a:latin typeface="Cambria Math" panose="02040503050406030204" pitchFamily="18" charset="0"/>
-                              </a:rPr>
-                              <m:t>𝑘</m:t>
-                            </m:r>
-                          </m:sup>
-                          <m:e>
-                            <m:r>
-                              <a:rPr lang="en-US" b="0" i="1" smtClean="0">
-                                <a:latin typeface="Cambria Math" panose="02040503050406030204" pitchFamily="18" charset="0"/>
-                              </a:rPr>
-                              <m:t>𝐼</m:t>
-                            </m:r>
-                            <m:d>
-                              <m:dPr>
-                                <m:ctrlPr>
-                                  <a:rPr lang="en-US" b="0" i="1" smtClean="0">
-                                    <a:latin typeface="Cambria Math" panose="02040503050406030204" pitchFamily="18" charset="0"/>
-                                  </a:rPr>
-                                </m:ctrlPr>
-                              </m:dPr>
-                              <m:e>
-                                <m:r>
-                                  <a:rPr lang="en-US" b="0" i="1" smtClean="0">
-                                    <a:latin typeface="Cambria Math" panose="02040503050406030204" pitchFamily="18" charset="0"/>
-                                  </a:rPr>
-                                  <m:t>𝑖</m:t>
-                                </m:r>
-                                <m:r>
-                                  <a:rPr lang="en-US" b="0" i="1" smtClean="0">
-                                    <a:latin typeface="Cambria Math" panose="02040503050406030204" pitchFamily="18" charset="0"/>
-                                  </a:rPr>
-                                  <m:t>+</m:t>
-                                </m:r>
-                                <m:r>
-                                  <a:rPr lang="en-US" b="0" i="1" smtClean="0">
-                                    <a:latin typeface="Cambria Math" panose="02040503050406030204" pitchFamily="18" charset="0"/>
-                                  </a:rPr>
-                                  <m:t>𝑚</m:t>
-                                </m:r>
-                                <m:r>
-                                  <a:rPr lang="en-US" b="0" i="1" smtClean="0">
-                                    <a:latin typeface="Cambria Math" panose="02040503050406030204" pitchFamily="18" charset="0"/>
-                                  </a:rPr>
-                                  <m:t>,</m:t>
-                                </m:r>
-                                <m:r>
-                                  <a:rPr lang="en-US" b="0" i="1" smtClean="0">
-                                    <a:latin typeface="Cambria Math" panose="02040503050406030204" pitchFamily="18" charset="0"/>
-                                  </a:rPr>
-                                  <m:t>𝑗</m:t>
-                                </m:r>
-                                <m:r>
-                                  <a:rPr lang="en-US" b="0" i="1" smtClean="0">
-                                    <a:latin typeface="Cambria Math" panose="02040503050406030204" pitchFamily="18" charset="0"/>
-                                  </a:rPr>
-                                  <m:t>+</m:t>
-                                </m:r>
-                                <m:r>
-                                  <a:rPr lang="en-US" b="0" i="1" smtClean="0">
-                                    <a:latin typeface="Cambria Math" panose="02040503050406030204" pitchFamily="18" charset="0"/>
-                                  </a:rPr>
-                                  <m:t>𝑛</m:t>
-                                </m:r>
-                              </m:e>
-                            </m:d>
-                            <m:r>
-                              <a:rPr lang="en-US" b="0" i="1" smtClean="0">
-                                <a:latin typeface="Cambria Math" panose="02040503050406030204" pitchFamily="18" charset="0"/>
-                              </a:rPr>
-                              <m:t>.</m:t>
-                            </m:r>
-                            <m:r>
-                              <a:rPr lang="en-US" b="0" i="1" smtClean="0">
-                                <a:latin typeface="Cambria Math" panose="02040503050406030204" pitchFamily="18" charset="0"/>
-                              </a:rPr>
-                              <m:t>𝐾</m:t>
-                            </m:r>
-                            <m:r>
-                              <a:rPr lang="en-US" b="0" i="1" smtClean="0">
-                                <a:latin typeface="Cambria Math" panose="02040503050406030204" pitchFamily="18" charset="0"/>
-                              </a:rPr>
-                              <m:t>(</m:t>
-                            </m:r>
-                            <m:r>
-                              <a:rPr lang="en-US" b="0" i="1" smtClean="0">
-                                <a:latin typeface="Cambria Math" panose="02040503050406030204" pitchFamily="18" charset="0"/>
-                              </a:rPr>
-                              <m:t>𝑚</m:t>
-                            </m:r>
-                            <m:r>
-                              <a:rPr lang="en-US" b="0" i="1" smtClean="0">
-                                <a:latin typeface="Cambria Math" panose="02040503050406030204" pitchFamily="18" charset="0"/>
-                              </a:rPr>
-                              <m:t>,</m:t>
-                            </m:r>
-                            <m:r>
-                              <a:rPr lang="en-US" b="0" i="1" smtClean="0">
-                                <a:latin typeface="Cambria Math" panose="02040503050406030204" pitchFamily="18" charset="0"/>
-                              </a:rPr>
-                              <m:t>𝑛</m:t>
-                            </m:r>
-                            <m:r>
-                              <a:rPr lang="en-US" b="0" i="1" smtClean="0">
-                                <a:latin typeface="Cambria Math" panose="02040503050406030204" pitchFamily="18" charset="0"/>
-                              </a:rPr>
-                              <m:t>)</m:t>
-                            </m:r>
-                          </m:e>
-                        </m:nary>
-                      </m:e>
-                    </m:nary>
-                  </m:oMath>
-                </a14:m>
-                <a:endParaRPr lang="en-US" dirty="0"/>
-              </a:p>
-            </p:txBody>
-          </p:sp>
-        </mc:Choice>
-        <mc:Fallback xmlns="">
-          <p:sp>
-            <p:nvSpPr>
-              <p:cNvPr id="3" name="Content Placeholder 2">
-                <a:extLst>
-                  <a:ext uri="{FF2B5EF4-FFF2-40B4-BE49-F238E27FC236}">
-                    <a16:creationId xmlns:a16="http://schemas.microsoft.com/office/drawing/2014/main" id="{5EB6AE0C-8C48-07AC-2CEB-34656A046438}"/>
-                  </a:ext>
-                </a:extLst>
-              </p:cNvPr>
-              <p:cNvSpPr>
-                <a:spLocks noGrp="1" noRot="1" noChangeAspect="1" noMove="1" noResize="1" noEditPoints="1" noAdjustHandles="1" noChangeArrowheads="1" noChangeShapeType="1" noTextEdit="1"/>
-              </p:cNvSpPr>
-              <p:nvPr>
-                <p:ph idx="1"/>
-              </p:nvPr>
-            </p:nvSpPr>
-            <p:spPr>
-              <a:blipFill>
-                <a:blip r:embed="rId3"/>
-                <a:stretch>
-                  <a:fillRect l="-706" t="-13199"/>
-                </a:stretch>
-              </a:blipFill>
-            </p:spPr>
-            <p:txBody>
-              <a:bodyPr/>
-              <a:lstStyle/>
-              <a:p>
-                <a:r>
-                  <a:rPr lang="en-US">
-                    <a:noFill/>
-                  </a:rPr>
-                  <a:t> </a:t>
-                </a:r>
-              </a:p>
-            </p:txBody>
-          </p:sp>
-        </mc:Fallback>
-      </mc:AlternateContent>
-    </p:spTree>
-    <p:extLst>
-      <p:ext uri="{BB962C8B-B14F-4D97-AF65-F5344CB8AC3E}">
-        <p14:creationId xmlns:p14="http://schemas.microsoft.com/office/powerpoint/2010/main" val="913506573"/>
-      </p:ext>
-    </p:extLst>
-  </p:cSld>
-  <p:clrMapOvr>
-    <a:masterClrMapping/>
-  </p:clrMapOvr>
-</p:sld>
-</file>
-
-<file path=ppt/slides/slide5.xml><?xml version="1.0" encoding="utf-8"?>
 <p:sld xmlns:a="http://schemas.openxmlformats.org/drawingml/2006/main" xmlns:r="http://schemas.openxmlformats.org/officeDocument/2006/relationships" xmlns:p="http://schemas.openxmlformats.org/presentationml/2006/main">
   <p:cSld>
     <p:bg>
@@ -7711,7 +7354,7 @@
           <a:lstStyle/>
           <a:p>
             <a:pPr algn="ctr"/>
-            <a:endParaRPr lang="en-US"/>
+            <a:endParaRPr lang="sk-SK" noProof="0" dirty="0"/>
           </a:p>
         </p:txBody>
       </p:sp>
@@ -7749,30 +7392,29 @@
               </a:lnSpc>
             </a:pPr>
             <a:r>
-              <a:rPr lang="sk-SK" sz="3400" err="1"/>
+              <a:rPr lang="sk-SK" sz="3400" noProof="0" dirty="0" err="1"/>
               <a:t>Gaussovo</a:t>
             </a:r>
             <a:r>
-              <a:rPr lang="sk-SK" sz="3400"/>
-              <a:t> jadro</a:t>
-            </a:r>
-            <a:r>
-              <a:rPr lang="en-US" sz="3400"/>
-              <a:t>(Kernel)</a:t>
-            </a:r>
-            <a:r>
-              <a:rPr lang="sk-SK" sz="3400"/>
-              <a:t>  a </a:t>
-            </a:r>
-            <a:r>
-              <a:rPr lang="sk-SK" sz="3400" err="1"/>
+              <a:rPr lang="sk-SK" sz="3400" noProof="0" dirty="0"/>
+              <a:t> jadro(</a:t>
+            </a:r>
+            <a:r>
+              <a:rPr lang="sk-SK" sz="3400" noProof="0" dirty="0" err="1"/>
+              <a:t>Kernel</a:t>
+            </a:r>
+            <a:r>
+              <a:rPr lang="sk-SK" sz="3400" noProof="0" dirty="0"/>
+              <a:t>)  a </a:t>
+            </a:r>
+            <a:r>
+              <a:rPr lang="sk-SK" sz="3400" noProof="0" dirty="0" err="1"/>
               <a:t>DoG</a:t>
             </a:r>
             <a:r>
-              <a:rPr lang="sk-SK" sz="3400"/>
+              <a:rPr lang="sk-SK" sz="3400" noProof="0" dirty="0"/>
               <a:t> filter</a:t>
             </a:r>
-            <a:endParaRPr lang="en-US" sz="3400"/>
           </a:p>
         </p:txBody>
       </p:sp>
@@ -7865,7 +7507,7 @@
           <a:lstStyle/>
           <a:p>
             <a:pPr algn="ctr"/>
-            <a:endParaRPr lang="en-US"/>
+            <a:endParaRPr lang="sk-SK" noProof="0" dirty="0"/>
           </a:p>
         </p:txBody>
       </p:sp>
@@ -7958,12 +7600,12 @@
           <a:lstStyle/>
           <a:p>
             <a:pPr algn="ctr"/>
-            <a:endParaRPr lang="en-US"/>
-          </a:p>
-        </p:txBody>
-      </p:sp>
-      <mc:AlternateContent xmlns:mc="http://schemas.openxmlformats.org/markup-compatibility/2006" xmlns:a14="http://schemas.microsoft.com/office/drawing/2010/main">
-        <mc:Choice Requires="a14">
+            <a:endParaRPr lang="sk-SK" noProof="0" dirty="0"/>
+          </a:p>
+        </p:txBody>
+      </p:sp>
+      <mc:AlternateContent xmlns:mc="http://schemas.openxmlformats.org/markup-compatibility/2006">
+        <mc:Choice xmlns:a14="http://schemas.microsoft.com/office/drawing/2010/main" Requires="a14">
           <p:sp>
             <p:nvSpPr>
               <p:cNvPr id="3" name="Content Placeholder 2">
@@ -7982,8 +7624,8 @@
             </p:nvSpPr>
             <p:spPr>
               <a:xfrm>
-                <a:off x="1587710" y="2160016"/>
-                <a:ext cx="4018219" cy="3926152"/>
+                <a:off x="1215484" y="2160016"/>
+                <a:ext cx="4390446" cy="3926152"/>
               </a:xfrm>
             </p:spPr>
             <p:txBody>
@@ -7992,13 +7634,16 @@
               </a:bodyPr>
               <a:lstStyle/>
               <a:p>
+                <a:pPr marL="0" indent="0">
+                  <a:buNone/>
+                </a:pPr>
                 <a14:m>
                   <m:oMath xmlns:m="http://schemas.openxmlformats.org/officeDocument/2006/math">
                     <m:r>
                       <m:rPr>
                         <m:sty m:val="p"/>
                       </m:rPr>
-                      <a:rPr lang="sk-SK" b="0" i="0" smtClean="0">
+                      <a:rPr lang="sk-SK" sz="3200" b="0" i="0" noProof="0" smtClean="0">
                         <a:latin typeface="Cambria Math" panose="02040503050406030204" pitchFamily="18" charset="0"/>
                       </a:rPr>
                       <m:t>G</m:t>
@@ -8006,7 +7651,7 @@
                     <m:d>
                       <m:dPr>
                         <m:ctrlPr>
-                          <a:rPr lang="en-US" b="0" i="1" smtClean="0">
+                          <a:rPr lang="sk-SK" sz="3200" b="0" i="1" noProof="0" smtClean="0">
                             <a:latin typeface="Cambria Math" panose="02040503050406030204" pitchFamily="18" charset="0"/>
                           </a:rPr>
                         </m:ctrlPr>
@@ -8016,25 +7661,25 @@
                           <m:rPr>
                             <m:sty m:val="p"/>
                           </m:rPr>
-                          <a:rPr lang="en-US" b="0" i="0" smtClean="0">
+                          <a:rPr lang="sk-SK" sz="3200" b="0" i="0" noProof="0" smtClean="0">
                             <a:latin typeface="Cambria Math" panose="02040503050406030204" pitchFamily="18" charset="0"/>
                           </a:rPr>
                           <m:t>x</m:t>
                         </m:r>
                         <m:r>
-                          <a:rPr lang="en-US" b="0" i="0" smtClean="0">
+                          <a:rPr lang="sk-SK" sz="3200" b="0" i="0" noProof="0" smtClean="0">
                             <a:latin typeface="Cambria Math" panose="02040503050406030204" pitchFamily="18" charset="0"/>
                           </a:rPr>
                           <m:t>,</m:t>
                         </m:r>
                         <m:r>
-                          <a:rPr lang="en-US" b="0" i="1" smtClean="0">
+                          <a:rPr lang="sk-SK" sz="3200" b="0" i="1" noProof="0" smtClean="0">
                             <a:latin typeface="Cambria Math" panose="02040503050406030204" pitchFamily="18" charset="0"/>
                           </a:rPr>
                           <m:t>𝑦</m:t>
                         </m:r>
                         <m:r>
-                          <a:rPr lang="en-US" b="0" i="1" smtClean="0">
+                          <a:rPr lang="sk-SK" sz="3200" b="0" i="1" noProof="0" smtClean="0">
                             <a:latin typeface="Cambria Math" panose="02040503050406030204" pitchFamily="18" charset="0"/>
                           </a:rPr>
                           <m:t>,</m:t>
@@ -8043,7 +7688,7 @@
                           <m:rPr>
                             <m:sty m:val="p"/>
                           </m:rPr>
-                          <a:rPr lang="el-GR" b="0" i="1" smtClean="0">
+                          <a:rPr lang="sk-SK" sz="3200" b="0" i="1" noProof="0" smtClean="0">
                             <a:latin typeface="Cambria Math" panose="02040503050406030204" pitchFamily="18" charset="0"/>
                           </a:rPr>
                           <m:t>σ</m:t>
@@ -8051,7 +7696,7 @@
                       </m:e>
                     </m:d>
                     <m:r>
-                      <a:rPr lang="en-US" i="1" smtClean="0">
+                      <a:rPr lang="sk-SK" sz="3200" i="1" noProof="0" smtClean="0">
                         <a:latin typeface="Cambria Math" panose="02040503050406030204" pitchFamily="18" charset="0"/>
                       </a:rPr>
                       <m:t>=</m:t>
@@ -8059,14 +7704,14 @@
                     <m:f>
                       <m:fPr>
                         <m:ctrlPr>
-                          <a:rPr lang="en-US" i="1" smtClean="0">
+                          <a:rPr lang="sk-SK" sz="3200" i="1" noProof="0" smtClean="0">
                             <a:latin typeface="Cambria Math" panose="02040503050406030204" pitchFamily="18" charset="0"/>
                           </a:rPr>
                         </m:ctrlPr>
                       </m:fPr>
                       <m:num>
                         <m:r>
-                          <a:rPr lang="en-US" b="0" i="1" smtClean="0">
+                          <a:rPr lang="sk-SK" sz="3200" b="0" i="1" noProof="0" smtClean="0">
                             <a:latin typeface="Cambria Math" panose="02040503050406030204" pitchFamily="18" charset="0"/>
                           </a:rPr>
                           <m:t>1</m:t>
@@ -8074,13 +7719,13 @@
                       </m:num>
                       <m:den>
                         <m:r>
-                          <a:rPr lang="en-US" b="0" i="1" smtClean="0">
+                          <a:rPr lang="sk-SK" sz="3200" b="0" i="1" noProof="0" smtClean="0">
                             <a:latin typeface="Cambria Math" panose="02040503050406030204" pitchFamily="18" charset="0"/>
                           </a:rPr>
                           <m:t>2</m:t>
                         </m:r>
                         <m:r>
-                          <a:rPr lang="en-US" b="0" i="1" smtClean="0">
+                          <a:rPr lang="sk-SK" sz="3200" b="0" i="1" noProof="0" smtClean="0">
                             <a:latin typeface="Cambria Math" panose="02040503050406030204" pitchFamily="18" charset="0"/>
                             <a:ea typeface="Cambria Math" panose="02040503050406030204" pitchFamily="18" charset="0"/>
                           </a:rPr>
@@ -8089,7 +7734,7 @@
                         <m:sSup>
                           <m:sSupPr>
                             <m:ctrlPr>
-                              <a:rPr lang="en-US" b="0" i="1" smtClean="0">
+                              <a:rPr lang="sk-SK" sz="3200" b="0" i="1" noProof="0" smtClean="0">
                                 <a:latin typeface="Cambria Math" panose="02040503050406030204" pitchFamily="18" charset="0"/>
                                 <a:ea typeface="Cambria Math" panose="02040503050406030204" pitchFamily="18" charset="0"/>
                               </a:rPr>
@@ -8097,7 +7742,7 @@
                           </m:sSupPr>
                           <m:e>
                             <m:r>
-                              <a:rPr lang="en-US" b="0" i="1" smtClean="0">
+                              <a:rPr lang="sk-SK" sz="3200" b="0" i="1" noProof="0" smtClean="0">
                                 <a:latin typeface="Cambria Math" panose="02040503050406030204" pitchFamily="18" charset="0"/>
                                 <a:ea typeface="Cambria Math" panose="02040503050406030204" pitchFamily="18" charset="0"/>
                               </a:rPr>
@@ -8106,7 +7751,7 @@
                           </m:e>
                           <m:sup>
                             <m:r>
-                              <a:rPr lang="en-US" b="0" i="1" smtClean="0">
+                              <a:rPr lang="sk-SK" sz="3200" b="0" i="1" noProof="0" smtClean="0">
                                 <a:latin typeface="Cambria Math" panose="02040503050406030204" pitchFamily="18" charset="0"/>
                                 <a:ea typeface="Cambria Math" panose="02040503050406030204" pitchFamily="18" charset="0"/>
                               </a:rPr>
@@ -8119,14 +7764,14 @@
                     <m:sSup>
                       <m:sSupPr>
                         <m:ctrlPr>
-                          <a:rPr lang="en-US" i="1" smtClean="0">
+                          <a:rPr lang="sk-SK" sz="3200" i="1" noProof="0" smtClean="0">
                             <a:latin typeface="Cambria Math" panose="02040503050406030204" pitchFamily="18" charset="0"/>
                           </a:rPr>
                         </m:ctrlPr>
                       </m:sSupPr>
                       <m:e>
                         <m:r>
-                          <a:rPr lang="en-US" b="0" i="1" smtClean="0">
+                          <a:rPr lang="sk-SK" sz="3200" b="0" i="1" noProof="0" smtClean="0">
                             <a:latin typeface="Cambria Math" panose="02040503050406030204" pitchFamily="18" charset="0"/>
                           </a:rPr>
                           <m:t>𝑒</m:t>
@@ -8134,7 +7779,7 @@
                       </m:e>
                       <m:sup>
                         <m:r>
-                          <a:rPr lang="en-US" b="0" i="1" smtClean="0">
+                          <a:rPr lang="sk-SK" sz="3200" b="0" i="1" noProof="0" smtClean="0">
                             <a:latin typeface="Cambria Math" panose="02040503050406030204" pitchFamily="18" charset="0"/>
                           </a:rPr>
                           <m:t>−</m:t>
@@ -8142,7 +7787,7 @@
                         <m:f>
                           <m:fPr>
                             <m:ctrlPr>
-                              <a:rPr lang="en-US" b="0" i="1" smtClean="0">
+                              <a:rPr lang="sk-SK" sz="3200" b="0" i="1" noProof="0" smtClean="0">
                                 <a:latin typeface="Cambria Math" panose="02040503050406030204" pitchFamily="18" charset="0"/>
                               </a:rPr>
                             </m:ctrlPr>
@@ -8151,14 +7796,14 @@
                             <m:sSup>
                               <m:sSupPr>
                                 <m:ctrlPr>
-                                  <a:rPr lang="en-US" b="0" i="1" smtClean="0">
+                                  <a:rPr lang="sk-SK" sz="3200" b="0" i="1" noProof="0" smtClean="0">
                                     <a:latin typeface="Cambria Math" panose="02040503050406030204" pitchFamily="18" charset="0"/>
                                   </a:rPr>
                                 </m:ctrlPr>
                               </m:sSupPr>
                               <m:e>
                                 <m:r>
-                                  <a:rPr lang="en-US" b="0" i="1" smtClean="0">
+                                  <a:rPr lang="sk-SK" sz="3200" b="0" i="1" noProof="0" smtClean="0">
                                     <a:latin typeface="Cambria Math" panose="02040503050406030204" pitchFamily="18" charset="0"/>
                                   </a:rPr>
                                   <m:t>𝑥</m:t>
@@ -8166,7 +7811,7 @@
                               </m:e>
                               <m:sup>
                                 <m:r>
-                                  <a:rPr lang="en-US" b="0" i="1" smtClean="0">
+                                  <a:rPr lang="sk-SK" sz="3200" b="0" i="1" noProof="0" smtClean="0">
                                     <a:latin typeface="Cambria Math" panose="02040503050406030204" pitchFamily="18" charset="0"/>
                                   </a:rPr>
                                   <m:t>2</m:t>
@@ -8174,7 +7819,7 @@
                               </m:sup>
                             </m:sSup>
                             <m:r>
-                              <a:rPr lang="en-US" b="0" i="1" smtClean="0">
+                              <a:rPr lang="sk-SK" sz="3200" b="0" i="1" noProof="0" smtClean="0">
                                 <a:latin typeface="Cambria Math" panose="02040503050406030204" pitchFamily="18" charset="0"/>
                               </a:rPr>
                               <m:t>+</m:t>
@@ -8182,14 +7827,14 @@
                             <m:sSup>
                               <m:sSupPr>
                                 <m:ctrlPr>
-                                  <a:rPr lang="en-US" b="0" i="1" smtClean="0">
+                                  <a:rPr lang="sk-SK" sz="3200" b="0" i="1" noProof="0" smtClean="0">
                                     <a:latin typeface="Cambria Math" panose="02040503050406030204" pitchFamily="18" charset="0"/>
                                   </a:rPr>
                                 </m:ctrlPr>
                               </m:sSupPr>
                               <m:e>
                                 <m:r>
-                                  <a:rPr lang="en-US" b="0" i="1" smtClean="0">
+                                  <a:rPr lang="sk-SK" sz="3200" b="0" i="1" noProof="0" smtClean="0">
                                     <a:latin typeface="Cambria Math" panose="02040503050406030204" pitchFamily="18" charset="0"/>
                                   </a:rPr>
                                   <m:t>𝑦</m:t>
@@ -8197,7 +7842,7 @@
                               </m:e>
                               <m:sup>
                                 <m:r>
-                                  <a:rPr lang="en-US" b="0" i="1" smtClean="0">
+                                  <a:rPr lang="sk-SK" sz="3200" b="0" i="1" noProof="0" smtClean="0">
                                     <a:latin typeface="Cambria Math" panose="02040503050406030204" pitchFamily="18" charset="0"/>
                                   </a:rPr>
                                   <m:t>2</m:t>
@@ -8207,7 +7852,7 @@
                           </m:num>
                           <m:den>
                             <m:r>
-                              <a:rPr lang="en-US" b="0" i="1" smtClean="0">
+                              <a:rPr lang="sk-SK" sz="3200" b="0" i="1" noProof="0" smtClean="0">
                                 <a:latin typeface="Cambria Math" panose="02040503050406030204" pitchFamily="18" charset="0"/>
                               </a:rPr>
                               <m:t>2</m:t>
@@ -8215,14 +7860,14 @@
                             <m:sSup>
                               <m:sSupPr>
                                 <m:ctrlPr>
-                                  <a:rPr lang="en-US" b="0" i="1" smtClean="0">
+                                  <a:rPr lang="sk-SK" sz="3200" b="0" i="1" noProof="0" smtClean="0">
                                     <a:latin typeface="Cambria Math" panose="02040503050406030204" pitchFamily="18" charset="0"/>
                                   </a:rPr>
                                 </m:ctrlPr>
                               </m:sSupPr>
                               <m:e>
                                 <m:r>
-                                  <a:rPr lang="en-US" b="0" i="1" smtClean="0">
+                                  <a:rPr lang="sk-SK" sz="3200" b="0" i="1" noProof="0" smtClean="0">
                                     <a:latin typeface="Cambria Math" panose="02040503050406030204" pitchFamily="18" charset="0"/>
                                     <a:ea typeface="Cambria Math" panose="02040503050406030204" pitchFamily="18" charset="0"/>
                                   </a:rPr>
@@ -8231,7 +7876,7 @@
                               </m:e>
                               <m:sup>
                                 <m:r>
-                                  <a:rPr lang="en-US" b="0" i="1" smtClean="0">
+                                  <a:rPr lang="sk-SK" sz="3200" b="0" i="1" noProof="0" smtClean="0">
                                     <a:latin typeface="Cambria Math" panose="02040503050406030204" pitchFamily="18" charset="0"/>
                                   </a:rPr>
                                   <m:t>2</m:t>
@@ -8245,21 +7890,29 @@
                   </m:oMath>
                 </a14:m>
                 <a:r>
-                  <a:rPr lang="en-US" dirty="0"/>
+                  <a:rPr lang="sk-SK" sz="2400" noProof="0" dirty="0"/>
                   <a:t> </a:t>
                 </a:r>
+                <a:br>
+                  <a:rPr lang="sk-SK" sz="2400" noProof="0" dirty="0"/>
+                </a:br>
+                <a:r>
+                  <a:rPr lang="sk-SK" sz="400" noProof="0" dirty="0"/>
+                  <a:t> </a:t>
+                </a:r>
+                <a:endParaRPr lang="sk-SK" sz="2400" noProof="0" dirty="0"/>
               </a:p>
               <a:p>
                 <a14:m>
                   <m:oMath xmlns:m="http://schemas.openxmlformats.org/officeDocument/2006/math">
                     <m:r>
-                      <a:rPr lang="en-US" b="0" i="1" smtClean="0">
+                      <a:rPr lang="sk-SK" sz="2400" b="0" i="1" noProof="0" smtClean="0">
                         <a:latin typeface="Cambria Math" panose="02040503050406030204" pitchFamily="18" charset="0"/>
                       </a:rPr>
                       <m:t>𝐷𝑜𝐺</m:t>
                     </m:r>
                     <m:r>
-                      <a:rPr lang="en-US" i="1" smtClean="0">
+                      <a:rPr lang="sk-SK" sz="2400" i="1" noProof="0" smtClean="0">
                         <a:latin typeface="Cambria Math" panose="02040503050406030204" pitchFamily="18" charset="0"/>
                       </a:rPr>
                       <m:t>=</m:t>
@@ -8268,7 +7921,7 @@
                       <m:rPr>
                         <m:sty m:val="p"/>
                       </m:rPr>
-                      <a:rPr lang="sk-SK">
+                      <a:rPr lang="sk-SK" sz="2400" noProof="0">
                         <a:latin typeface="Cambria Math" panose="02040503050406030204" pitchFamily="18" charset="0"/>
                       </a:rPr>
                       <m:t>G</m:t>
@@ -8276,7 +7929,7 @@
                     <m:d>
                       <m:dPr>
                         <m:ctrlPr>
-                          <a:rPr lang="en-US" i="1">
+                          <a:rPr lang="sk-SK" sz="2400" i="1" noProof="0" smtClean="0">
                             <a:latin typeface="Cambria Math" panose="02040503050406030204" pitchFamily="18" charset="0"/>
                           </a:rPr>
                         </m:ctrlPr>
@@ -8286,25 +7939,25 @@
                           <m:rPr>
                             <m:sty m:val="p"/>
                           </m:rPr>
-                          <a:rPr lang="en-US">
+                          <a:rPr lang="sk-SK" sz="2400" noProof="0" smtClean="0">
                             <a:latin typeface="Cambria Math" panose="02040503050406030204" pitchFamily="18" charset="0"/>
                           </a:rPr>
                           <m:t>x</m:t>
                         </m:r>
                         <m:r>
-                          <a:rPr lang="en-US">
+                          <a:rPr lang="sk-SK" sz="2400" noProof="0" smtClean="0">
                             <a:latin typeface="Cambria Math" panose="02040503050406030204" pitchFamily="18" charset="0"/>
                           </a:rPr>
                           <m:t>,</m:t>
                         </m:r>
                         <m:r>
-                          <a:rPr lang="en-US" i="1">
+                          <a:rPr lang="sk-SK" sz="2400" i="1" noProof="0" smtClean="0">
                             <a:latin typeface="Cambria Math" panose="02040503050406030204" pitchFamily="18" charset="0"/>
                           </a:rPr>
                           <m:t>𝑦</m:t>
                         </m:r>
                         <m:r>
-                          <a:rPr lang="en-US" i="1">
+                          <a:rPr lang="sk-SK" sz="2400" i="1" noProof="0" smtClean="0">
                             <a:latin typeface="Cambria Math" panose="02040503050406030204" pitchFamily="18" charset="0"/>
                           </a:rPr>
                           <m:t>,</m:t>
@@ -8312,14 +7965,14 @@
                         <m:sSub>
                           <m:sSubPr>
                             <m:ctrlPr>
-                              <a:rPr lang="en-US" i="1" smtClean="0">
+                              <a:rPr lang="sk-SK" sz="2400" i="1" noProof="0" smtClean="0">
                                 <a:latin typeface="Cambria Math" panose="02040503050406030204" pitchFamily="18" charset="0"/>
                               </a:rPr>
                             </m:ctrlPr>
                           </m:sSubPr>
                           <m:e>
                             <m:r>
-                              <a:rPr lang="en-US" i="1" smtClean="0">
+                              <a:rPr lang="sk-SK" sz="2400" i="1" noProof="0" smtClean="0">
                                 <a:latin typeface="Cambria Math" panose="02040503050406030204" pitchFamily="18" charset="0"/>
                                 <a:ea typeface="Cambria Math" panose="02040503050406030204" pitchFamily="18" charset="0"/>
                               </a:rPr>
@@ -8328,7 +7981,7 @@
                           </m:e>
                           <m:sub>
                             <m:r>
-                              <a:rPr lang="en-US" b="0" i="1" smtClean="0">
+                              <a:rPr lang="sk-SK" sz="2400" b="0" i="1" noProof="0" smtClean="0">
                                 <a:latin typeface="Cambria Math" panose="02040503050406030204" pitchFamily="18" charset="0"/>
                               </a:rPr>
                               <m:t>1</m:t>
@@ -8338,7 +7991,7 @@
                       </m:e>
                     </m:d>
                     <m:r>
-                      <a:rPr lang="en-US" b="0" i="1" smtClean="0">
+                      <a:rPr lang="sk-SK" sz="2400" b="0" i="1" noProof="0" smtClean="0">
                         <a:latin typeface="Cambria Math" panose="02040503050406030204" pitchFamily="18" charset="0"/>
                       </a:rPr>
                       <m:t>−</m:t>
@@ -8347,7 +8000,7 @@
                       <m:rPr>
                         <m:sty m:val="p"/>
                       </m:rPr>
-                      <a:rPr lang="sk-SK">
+                      <a:rPr lang="sk-SK" sz="2400" noProof="0">
                         <a:latin typeface="Cambria Math" panose="02040503050406030204" pitchFamily="18" charset="0"/>
                       </a:rPr>
                       <m:t>G</m:t>
@@ -8355,7 +8008,7 @@
                     <m:d>
                       <m:dPr>
                         <m:ctrlPr>
-                          <a:rPr lang="en-US" i="1">
+                          <a:rPr lang="sk-SK" sz="2400" i="1" noProof="0" smtClean="0">
                             <a:latin typeface="Cambria Math" panose="02040503050406030204" pitchFamily="18" charset="0"/>
                           </a:rPr>
                         </m:ctrlPr>
@@ -8365,25 +8018,25 @@
                           <m:rPr>
                             <m:sty m:val="p"/>
                           </m:rPr>
-                          <a:rPr lang="en-US">
+                          <a:rPr lang="sk-SK" sz="2400" noProof="0" smtClean="0">
                             <a:latin typeface="Cambria Math" panose="02040503050406030204" pitchFamily="18" charset="0"/>
                           </a:rPr>
                           <m:t>x</m:t>
                         </m:r>
                         <m:r>
-                          <a:rPr lang="en-US">
+                          <a:rPr lang="sk-SK" sz="2400" noProof="0" smtClean="0">
                             <a:latin typeface="Cambria Math" panose="02040503050406030204" pitchFamily="18" charset="0"/>
                           </a:rPr>
                           <m:t>,</m:t>
                         </m:r>
                         <m:r>
-                          <a:rPr lang="en-US" i="1">
+                          <a:rPr lang="sk-SK" sz="2400" i="1" noProof="0" smtClean="0">
                             <a:latin typeface="Cambria Math" panose="02040503050406030204" pitchFamily="18" charset="0"/>
                           </a:rPr>
                           <m:t>𝑦</m:t>
                         </m:r>
                         <m:r>
-                          <a:rPr lang="en-US" i="1">
+                          <a:rPr lang="sk-SK" sz="2400" i="1" noProof="0" smtClean="0">
                             <a:latin typeface="Cambria Math" panose="02040503050406030204" pitchFamily="18" charset="0"/>
                           </a:rPr>
                           <m:t>,</m:t>
@@ -8391,14 +8044,14 @@
                         <m:sSub>
                           <m:sSubPr>
                             <m:ctrlPr>
-                              <a:rPr lang="en-US" i="1" smtClean="0">
+                              <a:rPr lang="sk-SK" sz="2400" i="1" noProof="0" smtClean="0">
                                 <a:latin typeface="Cambria Math" panose="02040503050406030204" pitchFamily="18" charset="0"/>
                               </a:rPr>
                             </m:ctrlPr>
                           </m:sSubPr>
                           <m:e>
                             <m:r>
-                              <a:rPr lang="en-US" i="1" smtClean="0">
+                              <a:rPr lang="sk-SK" sz="2400" i="1" noProof="0" smtClean="0">
                                 <a:latin typeface="Cambria Math" panose="02040503050406030204" pitchFamily="18" charset="0"/>
                                 <a:ea typeface="Cambria Math" panose="02040503050406030204" pitchFamily="18" charset="0"/>
                               </a:rPr>
@@ -8407,7 +8060,7 @@
                           </m:e>
                           <m:sub>
                             <m:r>
-                              <a:rPr lang="en-US" b="0" i="1" smtClean="0">
+                              <a:rPr lang="sk-SK" sz="2400" b="0" i="1" noProof="0" smtClean="0">
                                 <a:latin typeface="Cambria Math" panose="02040503050406030204" pitchFamily="18" charset="0"/>
                               </a:rPr>
                               <m:t>2</m:t>
@@ -8418,18 +8071,25 @@
                     </m:d>
                   </m:oMath>
                 </a14:m>
-                <a:endParaRPr lang="en-US" dirty="0"/>
+                <a:br>
+                  <a:rPr lang="sk-SK" sz="2400" noProof="0" dirty="0"/>
+                </a:br>
+                <a:r>
+                  <a:rPr lang="sk-SK" sz="1100" noProof="0" dirty="0"/>
+                  <a:t> </a:t>
+                </a:r>
+                <a:endParaRPr lang="sk-SK" sz="2400" noProof="0" dirty="0"/>
               </a:p>
               <a:p>
                 <a:r>
-                  <a:rPr lang="en-US" dirty="0"/>
+                  <a:rPr lang="sk-SK" sz="2400" noProof="0" dirty="0"/>
                   <a:t>Sigma1 = 4, Sigma2 = 8</a:t>
                 </a:r>
               </a:p>
             </p:txBody>
           </p:sp>
         </mc:Choice>
-        <mc:Fallback xmlns="">
+        <mc:Fallback>
           <p:sp>
             <p:nvSpPr>
               <p:cNvPr id="3" name="Content Placeholder 2">
@@ -8448,13 +8108,13 @@
             </p:nvSpPr>
             <p:spPr>
               <a:xfrm>
-                <a:off x="1587710" y="2160016"/>
-                <a:ext cx="4018219" cy="3926152"/>
+                <a:off x="1215484" y="2160016"/>
+                <a:ext cx="4390446" cy="3926152"/>
               </a:xfrm>
               <a:blipFill>
                 <a:blip r:embed="rId3"/>
                 <a:stretch>
-                  <a:fillRect l="-1667"/>
+                  <a:fillRect l="-1803"/>
                 </a:stretch>
               </a:blipFill>
             </p:spPr>
@@ -8463,7 +8123,7 @@
               <a:lstStyle/>
               <a:p>
                 <a:r>
-                  <a:rPr lang="en-US">
+                  <a:rPr lang="sk-SK">
                     <a:noFill/>
                   </a:rPr>
                   <a:t> </a:t>
@@ -8517,15 +8177,28 @@
           <p:nvPr/>
         </p:nvPicPr>
         <p:blipFill>
-          <a:blip r:embed="rId5"/>
+          <a:blip r:embed="rId5">
+            <a:biLevel thresh="25000"/>
+            <a:extLst>
+              <a:ext uri="{BEBA8EAE-BF5A-486C-A8C5-ECC9F3942E4B}">
+                <a14:imgProps xmlns:a14="http://schemas.microsoft.com/office/drawing/2010/main">
+                  <a14:imgLayer r:embed="rId6">
+                    <a14:imgEffect>
+                      <a14:brightnessContrast contrast="40000"/>
+                    </a14:imgEffect>
+                  </a14:imgLayer>
+                </a14:imgProps>
+              </a:ext>
+            </a:extLst>
+          </a:blip>
           <a:stretch>
             <a:fillRect/>
           </a:stretch>
         </p:blipFill>
         <p:spPr>
           <a:xfrm>
-            <a:off x="1133856" y="4635368"/>
-            <a:ext cx="6144482" cy="1362265"/>
+            <a:off x="282575" y="4921665"/>
+            <a:ext cx="7801596" cy="1729656"/>
           </a:xfrm>
           <a:prstGeom prst="rect">
             <a:avLst/>
@@ -8536,6 +8209,453 @@
     <p:extLst>
       <p:ext uri="{BB962C8B-B14F-4D97-AF65-F5344CB8AC3E}">
         <p14:creationId xmlns:p14="http://schemas.microsoft.com/office/powerpoint/2010/main" val="1498687574"/>
+      </p:ext>
+    </p:extLst>
+  </p:cSld>
+  <p:clrMapOvr>
+    <a:masterClrMapping/>
+  </p:clrMapOvr>
+</p:sld>
+</file>
+
+<file path=ppt/slides/slide5.xml><?xml version="1.0" encoding="utf-8"?>
+<p:sld xmlns:a="http://schemas.openxmlformats.org/drawingml/2006/main" xmlns:r="http://schemas.openxmlformats.org/officeDocument/2006/relationships" xmlns:p="http://schemas.openxmlformats.org/presentationml/2006/main">
+  <p:cSld>
+    <p:spTree>
+      <p:nvGrpSpPr>
+        <p:cNvPr id="1" name=""/>
+        <p:cNvGrpSpPr/>
+        <p:nvPr/>
+      </p:nvGrpSpPr>
+      <p:grpSpPr>
+        <a:xfrm>
+          <a:off x="0" y="0"/>
+          <a:ext cx="0" cy="0"/>
+          <a:chOff x="0" y="0"/>
+          <a:chExt cx="0" cy="0"/>
+        </a:xfrm>
+      </p:grpSpPr>
+      <p:sp>
+        <p:nvSpPr>
+          <p:cNvPr id="2" name="Title 1">
+            <a:extLst>
+              <a:ext uri="{FF2B5EF4-FFF2-40B4-BE49-F238E27FC236}">
+                <a16:creationId xmlns:a16="http://schemas.microsoft.com/office/drawing/2014/main" id="{69E6B352-BAB7-A1B9-7DDD-EE49A013B8EB}"/>
+              </a:ext>
+            </a:extLst>
+          </p:cNvPr>
+          <p:cNvSpPr>
+            <a:spLocks noGrp="1"/>
+          </p:cNvSpPr>
+          <p:nvPr>
+            <p:ph type="title"/>
+          </p:nvPr>
+        </p:nvSpPr>
+        <p:spPr>
+          <a:xfrm>
+            <a:off x="1587710" y="455362"/>
+            <a:ext cx="9486690" cy="1016599"/>
+          </a:xfrm>
+        </p:spPr>
+        <p:txBody>
+          <a:bodyPr/>
+          <a:lstStyle/>
+          <a:p>
+            <a:r>
+              <a:rPr lang="sk-SK" noProof="0" dirty="0"/>
+              <a:t>Vlastná 2D konvolúcia</a:t>
+            </a:r>
+          </a:p>
+        </p:txBody>
+      </p:sp>
+      <mc:AlternateContent xmlns:mc="http://schemas.openxmlformats.org/markup-compatibility/2006">
+        <mc:Choice xmlns:a14="http://schemas.microsoft.com/office/drawing/2010/main" Requires="a14">
+          <p:sp>
+            <p:nvSpPr>
+              <p:cNvPr id="3" name="Content Placeholder 2">
+                <a:extLst>
+                  <a:ext uri="{FF2B5EF4-FFF2-40B4-BE49-F238E27FC236}">
+                    <a16:creationId xmlns:a16="http://schemas.microsoft.com/office/drawing/2014/main" id="{5EB6AE0C-8C48-07AC-2CEB-34656A046438}"/>
+                  </a:ext>
+                </a:extLst>
+              </p:cNvPr>
+              <p:cNvSpPr>
+                <a:spLocks noGrp="1"/>
+              </p:cNvSpPr>
+              <p:nvPr>
+                <p:ph idx="1"/>
+              </p:nvPr>
+            </p:nvSpPr>
+            <p:spPr>
+              <a:xfrm>
+                <a:off x="1494263" y="1926798"/>
+                <a:ext cx="10026185" cy="4641270"/>
+              </a:xfrm>
+            </p:spPr>
+            <p:txBody>
+              <a:bodyPr>
+                <a:normAutofit/>
+              </a:bodyPr>
+              <a:lstStyle/>
+              <a:p>
+                <a:pPr marL="0" indent="0">
+                  <a:buNone/>
+                </a:pPr>
+                <a14:m>
+                  <m:oMathPara xmlns:m="http://schemas.openxmlformats.org/officeDocument/2006/math">
+                    <m:oMathParaPr>
+                      <m:jc m:val="centerGroup"/>
+                    </m:oMathParaPr>
+                    <m:oMath xmlns:m="http://schemas.openxmlformats.org/officeDocument/2006/math">
+                      <m:sSub>
+                        <m:sSubPr>
+                          <m:ctrlPr>
+                            <a:rPr lang="sk-SK" sz="3600" i="1" noProof="0" smtClean="0">
+                              <a:latin typeface="Cambria Math" panose="02040503050406030204" pitchFamily="18" charset="0"/>
+                            </a:rPr>
+                          </m:ctrlPr>
+                        </m:sSubPr>
+                        <m:e>
+                          <m:r>
+                            <a:rPr lang="sk-SK" sz="3600" b="0" i="1" noProof="0" smtClean="0">
+                              <a:latin typeface="Cambria Math" panose="02040503050406030204" pitchFamily="18" charset="0"/>
+                            </a:rPr>
+                            <m:t>𝐼</m:t>
+                          </m:r>
+                        </m:e>
+                        <m:sub>
+                          <m:r>
+                            <a:rPr lang="sk-SK" sz="3600" b="0" i="1" noProof="0" smtClean="0">
+                              <a:latin typeface="Cambria Math" panose="02040503050406030204" pitchFamily="18" charset="0"/>
+                            </a:rPr>
+                            <m:t>𝑜𝑢𝑡</m:t>
+                          </m:r>
+                        </m:sub>
+                      </m:sSub>
+                      <m:d>
+                        <m:dPr>
+                          <m:ctrlPr>
+                            <a:rPr lang="sk-SK" sz="3600" b="0" i="1" noProof="0" smtClean="0">
+                              <a:latin typeface="Cambria Math" panose="02040503050406030204" pitchFamily="18" charset="0"/>
+                            </a:rPr>
+                          </m:ctrlPr>
+                        </m:dPr>
+                        <m:e>
+                          <m:r>
+                            <a:rPr lang="sk-SK" sz="3600" b="0" i="1" noProof="0" smtClean="0">
+                              <a:latin typeface="Cambria Math" panose="02040503050406030204" pitchFamily="18" charset="0"/>
+                            </a:rPr>
+                            <m:t>𝑖</m:t>
+                          </m:r>
+                          <m:r>
+                            <a:rPr lang="sk-SK" sz="3600" b="0" i="1" noProof="0" smtClean="0">
+                              <a:latin typeface="Cambria Math" panose="02040503050406030204" pitchFamily="18" charset="0"/>
+                            </a:rPr>
+                            <m:t>,</m:t>
+                          </m:r>
+                          <m:r>
+                            <a:rPr lang="sk-SK" sz="3600" b="0" i="1" noProof="0" smtClean="0">
+                              <a:latin typeface="Cambria Math" panose="02040503050406030204" pitchFamily="18" charset="0"/>
+                            </a:rPr>
+                            <m:t>𝑗</m:t>
+                          </m:r>
+                        </m:e>
+                      </m:d>
+                      <m:r>
+                        <a:rPr lang="sk-SK" sz="3600" b="0" i="1" noProof="0" smtClean="0">
+                          <a:latin typeface="Cambria Math" panose="02040503050406030204" pitchFamily="18" charset="0"/>
+                        </a:rPr>
+                        <m:t>=</m:t>
+                      </m:r>
+                      <m:nary>
+                        <m:naryPr>
+                          <m:chr m:val="∑"/>
+                          <m:ctrlPr>
+                            <a:rPr lang="sk-SK" sz="3600" b="0" i="1" noProof="0" smtClean="0">
+                              <a:latin typeface="Cambria Math" panose="02040503050406030204" pitchFamily="18" charset="0"/>
+                            </a:rPr>
+                          </m:ctrlPr>
+                        </m:naryPr>
+                        <m:sub>
+                          <m:r>
+                            <m:rPr>
+                              <m:brk m:alnAt="23"/>
+                            </m:rPr>
+                            <a:rPr lang="sk-SK" sz="3600" b="0" i="1" noProof="0" smtClean="0">
+                              <a:latin typeface="Cambria Math" panose="02040503050406030204" pitchFamily="18" charset="0"/>
+                            </a:rPr>
+                            <m:t>𝑚</m:t>
+                          </m:r>
+                          <m:r>
+                            <a:rPr lang="sk-SK" sz="3600" b="0" i="1" noProof="0" smtClean="0">
+                              <a:latin typeface="Cambria Math" panose="02040503050406030204" pitchFamily="18" charset="0"/>
+                            </a:rPr>
+                            <m:t>=−</m:t>
+                          </m:r>
+                          <m:r>
+                            <a:rPr lang="sk-SK" sz="3600" b="0" i="1" noProof="0" smtClean="0">
+                              <a:latin typeface="Cambria Math" panose="02040503050406030204" pitchFamily="18" charset="0"/>
+                            </a:rPr>
+                            <m:t>𝑘</m:t>
+                          </m:r>
+                        </m:sub>
+                        <m:sup>
+                          <m:r>
+                            <a:rPr lang="sk-SK" sz="3600" b="0" i="1" noProof="0" smtClean="0">
+                              <a:latin typeface="Cambria Math" panose="02040503050406030204" pitchFamily="18" charset="0"/>
+                            </a:rPr>
+                            <m:t>𝑘</m:t>
+                          </m:r>
+                        </m:sup>
+                        <m:e>
+                          <m:nary>
+                            <m:naryPr>
+                              <m:chr m:val="∑"/>
+                              <m:ctrlPr>
+                                <a:rPr lang="sk-SK" sz="3600" b="0" i="1" noProof="0" smtClean="0">
+                                  <a:latin typeface="Cambria Math" panose="02040503050406030204" pitchFamily="18" charset="0"/>
+                                </a:rPr>
+                              </m:ctrlPr>
+                            </m:naryPr>
+                            <m:sub>
+                              <m:r>
+                                <m:rPr>
+                                  <m:brk m:alnAt="23"/>
+                                </m:rPr>
+                                <a:rPr lang="sk-SK" sz="3600" b="0" i="1" noProof="0" smtClean="0">
+                                  <a:latin typeface="Cambria Math" panose="02040503050406030204" pitchFamily="18" charset="0"/>
+                                </a:rPr>
+                                <m:t>𝑛</m:t>
+                              </m:r>
+                              <m:r>
+                                <a:rPr lang="sk-SK" sz="3600" b="0" i="1" noProof="0" smtClean="0">
+                                  <a:latin typeface="Cambria Math" panose="02040503050406030204" pitchFamily="18" charset="0"/>
+                                </a:rPr>
+                                <m:t>=−</m:t>
+                              </m:r>
+                              <m:r>
+                                <a:rPr lang="sk-SK" sz="3600" b="0" i="1" noProof="0" smtClean="0">
+                                  <a:latin typeface="Cambria Math" panose="02040503050406030204" pitchFamily="18" charset="0"/>
+                                </a:rPr>
+                                <m:t>𝑘</m:t>
+                              </m:r>
+                            </m:sub>
+                            <m:sup>
+                              <m:r>
+                                <a:rPr lang="sk-SK" sz="3600" b="0" i="1" noProof="0" smtClean="0">
+                                  <a:latin typeface="Cambria Math" panose="02040503050406030204" pitchFamily="18" charset="0"/>
+                                </a:rPr>
+                                <m:t>𝑘</m:t>
+                              </m:r>
+                            </m:sup>
+                            <m:e>
+                              <m:r>
+                                <a:rPr lang="sk-SK" sz="3600" b="0" i="1" noProof="0" smtClean="0">
+                                  <a:latin typeface="Cambria Math" panose="02040503050406030204" pitchFamily="18" charset="0"/>
+                                </a:rPr>
+                                <m:t>𝐼</m:t>
+                              </m:r>
+                              <m:d>
+                                <m:dPr>
+                                  <m:ctrlPr>
+                                    <a:rPr lang="sk-SK" sz="3600" b="0" i="1" noProof="0" smtClean="0">
+                                      <a:latin typeface="Cambria Math" panose="02040503050406030204" pitchFamily="18" charset="0"/>
+                                    </a:rPr>
+                                  </m:ctrlPr>
+                                </m:dPr>
+                                <m:e>
+                                  <m:r>
+                                    <a:rPr lang="sk-SK" sz="3600" b="0" i="1" noProof="0" smtClean="0">
+                                      <a:latin typeface="Cambria Math" panose="02040503050406030204" pitchFamily="18" charset="0"/>
+                                    </a:rPr>
+                                    <m:t>𝑖</m:t>
+                                  </m:r>
+                                  <m:r>
+                                    <a:rPr lang="sk-SK" sz="3600" b="0" i="1" noProof="0" smtClean="0">
+                                      <a:latin typeface="Cambria Math" panose="02040503050406030204" pitchFamily="18" charset="0"/>
+                                    </a:rPr>
+                                    <m:t>+</m:t>
+                                  </m:r>
+                                  <m:r>
+                                    <a:rPr lang="sk-SK" sz="3600" b="0" i="1" noProof="0" smtClean="0">
+                                      <a:latin typeface="Cambria Math" panose="02040503050406030204" pitchFamily="18" charset="0"/>
+                                    </a:rPr>
+                                    <m:t>𝑚</m:t>
+                                  </m:r>
+                                  <m:r>
+                                    <a:rPr lang="sk-SK" sz="3600" b="0" i="1" noProof="0" smtClean="0">
+                                      <a:latin typeface="Cambria Math" panose="02040503050406030204" pitchFamily="18" charset="0"/>
+                                    </a:rPr>
+                                    <m:t>,</m:t>
+                                  </m:r>
+                                  <m:r>
+                                    <a:rPr lang="sk-SK" sz="3600" b="0" i="1" noProof="0" smtClean="0">
+                                      <a:latin typeface="Cambria Math" panose="02040503050406030204" pitchFamily="18" charset="0"/>
+                                    </a:rPr>
+                                    <m:t>𝑗</m:t>
+                                  </m:r>
+                                  <m:r>
+                                    <a:rPr lang="sk-SK" sz="3600" b="0" i="1" noProof="0" smtClean="0">
+                                      <a:latin typeface="Cambria Math" panose="02040503050406030204" pitchFamily="18" charset="0"/>
+                                    </a:rPr>
+                                    <m:t>+</m:t>
+                                  </m:r>
+                                  <m:r>
+                                    <a:rPr lang="sk-SK" sz="3600" b="0" i="1" noProof="0" smtClean="0">
+                                      <a:latin typeface="Cambria Math" panose="02040503050406030204" pitchFamily="18" charset="0"/>
+                                    </a:rPr>
+                                    <m:t>𝑛</m:t>
+                                  </m:r>
+                                </m:e>
+                              </m:d>
+                              <m:r>
+                                <a:rPr lang="sk-SK" sz="3600" b="0" i="1" noProof="0" smtClean="0">
+                                  <a:latin typeface="Cambria Math" panose="02040503050406030204" pitchFamily="18" charset="0"/>
+                                </a:rPr>
+                                <m:t>.</m:t>
+                              </m:r>
+                              <m:r>
+                                <a:rPr lang="sk-SK" sz="3600" b="0" i="1" noProof="0" smtClean="0">
+                                  <a:latin typeface="Cambria Math" panose="02040503050406030204" pitchFamily="18" charset="0"/>
+                                </a:rPr>
+                                <m:t>𝐾</m:t>
+                              </m:r>
+                              <m:r>
+                                <a:rPr lang="sk-SK" sz="3600" b="0" i="1" noProof="0" smtClean="0">
+                                  <a:latin typeface="Cambria Math" panose="02040503050406030204" pitchFamily="18" charset="0"/>
+                                </a:rPr>
+                                <m:t>(</m:t>
+                              </m:r>
+                              <m:r>
+                                <a:rPr lang="sk-SK" sz="3600" b="0" i="1" noProof="0" smtClean="0">
+                                  <a:latin typeface="Cambria Math" panose="02040503050406030204" pitchFamily="18" charset="0"/>
+                                </a:rPr>
+                                <m:t>𝑚</m:t>
+                              </m:r>
+                              <m:r>
+                                <a:rPr lang="sk-SK" sz="3600" b="0" i="1" noProof="0" smtClean="0">
+                                  <a:latin typeface="Cambria Math" panose="02040503050406030204" pitchFamily="18" charset="0"/>
+                                </a:rPr>
+                                <m:t>,</m:t>
+                              </m:r>
+                              <m:r>
+                                <a:rPr lang="sk-SK" sz="3600" b="0" i="1" noProof="0" smtClean="0">
+                                  <a:latin typeface="Cambria Math" panose="02040503050406030204" pitchFamily="18" charset="0"/>
+                                </a:rPr>
+                                <m:t>𝑛</m:t>
+                              </m:r>
+                              <m:r>
+                                <a:rPr lang="sk-SK" sz="3600" b="0" i="1" noProof="0" smtClean="0">
+                                  <a:latin typeface="Cambria Math" panose="02040503050406030204" pitchFamily="18" charset="0"/>
+                                </a:rPr>
+                                <m:t>)</m:t>
+                              </m:r>
+                            </m:e>
+                          </m:nary>
+                        </m:e>
+                      </m:nary>
+                    </m:oMath>
+                  </m:oMathPara>
+                </a14:m>
+                <a:br>
+                  <a:rPr lang="sk-SK" sz="3600" noProof="0" dirty="0"/>
+                </a:br>
+                <a:br>
+                  <a:rPr lang="sk-SK" sz="3600" noProof="0" dirty="0"/>
+                </a:br>
+                <a:r>
+                  <a:rPr lang="sk-SK" sz="2400" noProof="0" dirty="0"/>
+                  <a:t>k - polomer </a:t>
+                </a:r>
+                <a:r>
+                  <a:rPr lang="sk-SK" sz="2400" noProof="0" dirty="0" err="1"/>
+                  <a:t>kernelu</a:t>
+                </a:r>
+                <a:endParaRPr lang="sk-SK" sz="2400" noProof="0" dirty="0"/>
+              </a:p>
+              <a:p>
+                <a:pPr marL="0" indent="0">
+                  <a:buNone/>
+                </a:pPr>
+                <a:r>
+                  <a:rPr lang="sk-SK" sz="2400" noProof="0" dirty="0"/>
+                  <a:t>i, j – konkrétny pixel obrazu</a:t>
+                </a:r>
+              </a:p>
+              <a:p>
+                <a:pPr marL="0" indent="0">
+                  <a:buNone/>
+                </a:pPr>
+                <a:r>
+                  <a:rPr lang="sk-SK" sz="2400" noProof="0" dirty="0"/>
+                  <a:t>I – 2D obraz</a:t>
+                </a:r>
+              </a:p>
+              <a:p>
+                <a:pPr marL="0" indent="0">
+                  <a:buNone/>
+                </a:pPr>
+                <a:r>
+                  <a:rPr lang="sk-SK" sz="2400" noProof="0" dirty="0"/>
+                  <a:t>K – 2D </a:t>
+                </a:r>
+                <a:r>
+                  <a:rPr lang="sk-SK" sz="2400" noProof="0" dirty="0" err="1"/>
+                  <a:t>kernel</a:t>
+                </a:r>
+                <a:endParaRPr lang="sk-SK" sz="2400" noProof="0" dirty="0"/>
+              </a:p>
+            </p:txBody>
+          </p:sp>
+        </mc:Choice>
+        <mc:Fallback>
+          <p:sp>
+            <p:nvSpPr>
+              <p:cNvPr id="3" name="Content Placeholder 2">
+                <a:extLst>
+                  <a:ext uri="{FF2B5EF4-FFF2-40B4-BE49-F238E27FC236}">
+                    <a16:creationId xmlns:a16="http://schemas.microsoft.com/office/drawing/2014/main" id="{5EB6AE0C-8C48-07AC-2CEB-34656A046438}"/>
+                  </a:ext>
+                </a:extLst>
+              </p:cNvPr>
+              <p:cNvSpPr>
+                <a:spLocks noGrp="1" noRot="1" noChangeAspect="1" noMove="1" noResize="1" noEditPoints="1" noAdjustHandles="1" noChangeArrowheads="1" noChangeShapeType="1" noTextEdit="1"/>
+              </p:cNvSpPr>
+              <p:nvPr>
+                <p:ph idx="1"/>
+              </p:nvPr>
+            </p:nvSpPr>
+            <p:spPr>
+              <a:xfrm>
+                <a:off x="1494263" y="1926798"/>
+                <a:ext cx="10026185" cy="4641270"/>
+              </a:xfrm>
+              <a:blipFill>
+                <a:blip r:embed="rId3"/>
+                <a:stretch>
+                  <a:fillRect l="-912" b="-2102"/>
+                </a:stretch>
+              </a:blipFill>
+            </p:spPr>
+            <p:txBody>
+              <a:bodyPr/>
+              <a:lstStyle/>
+              <a:p>
+                <a:r>
+                  <a:rPr lang="sk-SK">
+                    <a:noFill/>
+                  </a:rPr>
+                  <a:t> </a:t>
+                </a:r>
+              </a:p>
+            </p:txBody>
+          </p:sp>
+        </mc:Fallback>
+      </mc:AlternateContent>
+    </p:spTree>
+    <p:extLst>
+      <p:ext uri="{BB962C8B-B14F-4D97-AF65-F5344CB8AC3E}">
+        <p14:creationId xmlns:p14="http://schemas.microsoft.com/office/powerpoint/2010/main" val="913506573"/>
       </p:ext>
     </p:extLst>
   </p:cSld>
@@ -8584,10 +8704,14 @@
           <a:lstStyle/>
           <a:p>
             <a:r>
-              <a:rPr lang="sk-SK"/>
-              <a:t>RGB Histogram</a:t>
-            </a:r>
-            <a:endParaRPr lang="en-US" dirty="0"/>
+              <a:rPr lang="sk-SK" noProof="0" dirty="0"/>
+              <a:t>RGB </a:t>
+            </a:r>
+            <a:r>
+              <a:rPr lang="sk-SK" noProof="0" dirty="0" err="1"/>
+              <a:t>Histogram</a:t>
+            </a:r>
+            <a:endParaRPr lang="sk-SK" noProof="0" dirty="0"/>
           </a:p>
         </p:txBody>
       </p:sp>
@@ -8612,7 +8736,7 @@
           <a:bodyPr/>
           <a:lstStyle/>
           <a:p>
-            <a:endParaRPr lang="en-US" dirty="0"/>
+            <a:endParaRPr lang="sk-SK" noProof="0" dirty="0"/>
           </a:p>
         </p:txBody>
       </p:sp>
@@ -8650,6 +8774,78 @@
     <p:extLst>
       <p:ext uri="{BB962C8B-B14F-4D97-AF65-F5344CB8AC3E}">
         <p14:creationId xmlns:p14="http://schemas.microsoft.com/office/powerpoint/2010/main" val="1707749394"/>
+      </p:ext>
+    </p:extLst>
+  </p:cSld>
+  <p:clrMapOvr>
+    <a:masterClrMapping/>
+  </p:clrMapOvr>
+</p:sld>
+</file>
+
+<file path=ppt/slides/slide7.xml><?xml version="1.0" encoding="utf-8"?>
+<p:sld xmlns:a="http://schemas.openxmlformats.org/drawingml/2006/main" xmlns:r="http://schemas.openxmlformats.org/officeDocument/2006/relationships" xmlns:p="http://schemas.openxmlformats.org/presentationml/2006/main">
+  <p:cSld>
+    <p:spTree>
+      <p:nvGrpSpPr>
+        <p:cNvPr id="1" name=""/>
+        <p:cNvGrpSpPr/>
+        <p:nvPr/>
+      </p:nvGrpSpPr>
+      <p:grpSpPr>
+        <a:xfrm>
+          <a:off x="0" y="0"/>
+          <a:ext cx="0" cy="0"/>
+          <a:chOff x="0" y="0"/>
+          <a:chExt cx="0" cy="0"/>
+        </a:xfrm>
+      </p:grpSpPr>
+      <p:sp>
+        <p:nvSpPr>
+          <p:cNvPr id="2" name="Nadpis 1">
+            <a:extLst>
+              <a:ext uri="{FF2B5EF4-FFF2-40B4-BE49-F238E27FC236}">
+                <a16:creationId xmlns:a16="http://schemas.microsoft.com/office/drawing/2014/main" id="{5F5A035F-AC20-428D-2589-AAD807D97DEE}"/>
+              </a:ext>
+            </a:extLst>
+          </p:cNvPr>
+          <p:cNvSpPr>
+            <a:spLocks noGrp="1"/>
+          </p:cNvSpPr>
+          <p:nvPr>
+            <p:ph type="title"/>
+          </p:nvPr>
+        </p:nvSpPr>
+        <p:spPr>
+          <a:xfrm>
+            <a:off x="2401749" y="2653790"/>
+            <a:ext cx="7065636" cy="1550419"/>
+          </a:xfrm>
+        </p:spPr>
+        <p:txBody>
+          <a:bodyPr/>
+          <a:lstStyle/>
+          <a:p>
+            <a:r>
+              <a:rPr lang="en-GB" dirty="0" err="1"/>
+              <a:t>Ďakujeme</a:t>
+            </a:r>
+            <a:r>
+              <a:rPr lang="en-GB" dirty="0"/>
+              <a:t> za </a:t>
+            </a:r>
+            <a:r>
+              <a:rPr lang="en-GB" dirty="0" err="1"/>
+              <a:t>pozornosť</a:t>
+            </a:r>
+            <a:endParaRPr lang="sk-SK" dirty="0"/>
+          </a:p>
+        </p:txBody>
+      </p:sp>
+    </p:spTree>
+    <p:extLst>
+      <p:ext uri="{BB962C8B-B14F-4D97-AF65-F5344CB8AC3E}">
+        <p14:creationId xmlns:p14="http://schemas.microsoft.com/office/powerpoint/2010/main" val="3227012230"/>
       </p:ext>
     </p:extLst>
   </p:cSld>

--- a/Zad3_uloha_E/prez.pptx
+++ b/Zad3_uloha_E/prez.pptx
@@ -6015,8 +6015,8 @@
         </p:nvSpPr>
         <p:spPr>
           <a:xfrm>
-            <a:off x="8018633" y="596392"/>
-            <a:ext cx="3608208" cy="3450844"/>
+            <a:off x="2770698" y="1711513"/>
+            <a:ext cx="8517565" cy="2208140"/>
           </a:xfrm>
         </p:spPr>
         <p:txBody>
@@ -6026,23 +6026,23 @@
           <a:lstStyle/>
           <a:p>
             <a:r>
-              <a:rPr lang="sk-SK" sz="2800" noProof="0" dirty="0"/>
+              <a:rPr lang="sk-SK" sz="3600" noProof="0" dirty="0"/>
               <a:t>Spracovanie obrazu z kamery pomocou </a:t>
             </a:r>
             <a:r>
-              <a:rPr lang="sk-SK" sz="2800" noProof="0" dirty="0" err="1"/>
+              <a:rPr lang="sk-SK" sz="3600" noProof="0" dirty="0" err="1"/>
               <a:t>DoG</a:t>
             </a:r>
             <a:r>
-              <a:rPr lang="sk-SK" sz="2800" noProof="0" dirty="0"/>
+              <a:rPr lang="sk-SK" sz="3600" noProof="0" dirty="0"/>
               <a:t> filtra a vytvorenie </a:t>
             </a:r>
             <a:r>
-              <a:rPr lang="sk-SK" sz="2800" noProof="0" dirty="0" err="1"/>
+              <a:rPr lang="sk-SK" sz="3600" noProof="0" dirty="0" err="1"/>
               <a:t>histogramovej</a:t>
             </a:r>
             <a:r>
-              <a:rPr lang="sk-SK" sz="2800" noProof="0" dirty="0"/>
+              <a:rPr lang="sk-SK" sz="3600" noProof="0" dirty="0"/>
               <a:t> analýzy</a:t>
             </a:r>
           </a:p>
@@ -6066,7 +6066,7 @@
         </p:nvSpPr>
         <p:spPr>
           <a:xfrm>
-            <a:off x="8018633" y="4183634"/>
+            <a:off x="8141297" y="4852707"/>
             <a:ext cx="3608208" cy="1268984"/>
           </a:xfrm>
         </p:spPr>
@@ -6098,35 +6098,6 @@
           </a:p>
         </p:txBody>
       </p:sp>
-      <p:pic>
-        <p:nvPicPr>
-          <p:cNvPr id="4" name="Picture 3" descr="A mosaic of colorful geometric shapes">
-            <a:extLst>
-              <a:ext uri="{FF2B5EF4-FFF2-40B4-BE49-F238E27FC236}">
-                <a16:creationId xmlns:a16="http://schemas.microsoft.com/office/drawing/2014/main" id="{F3087A2C-0D0A-D495-70B7-5006DB11FD43}"/>
-              </a:ext>
-            </a:extLst>
-          </p:cNvPr>
-          <p:cNvPicPr>
-            <a:picLocks noChangeAspect="1"/>
-          </p:cNvPicPr>
-          <p:nvPr/>
-        </p:nvPicPr>
-        <p:blipFill>
-          <a:blip r:embed="rId2"/>
-          <a:srcRect r="22260"/>
-          <a:stretch/>
-        </p:blipFill>
-        <p:spPr>
-          <a:xfrm>
-            <a:off x="-1" y="10"/>
-            <a:ext cx="7456513" cy="6857990"/>
-          </a:xfrm>
-          <a:prstGeom prst="rect">
-            <a:avLst/>
-          </a:prstGeom>
-        </p:spPr>
-      </p:pic>
       <p:sp>
         <p:nvSpPr>
           <p:cNvPr id="11" name="Rectangle 10">
@@ -6506,15 +6477,7 @@
             </a:r>
             <a:r>
               <a:rPr lang="sk-SK" noProof="0" dirty="0" err="1"/>
-              <a:t>gau</a:t>
-            </a:r>
-            <a:r>
-              <a:rPr lang="en-GB" noProof="0" dirty="0"/>
-              <a:t>s</a:t>
-            </a:r>
-            <a:r>
-              <a:rPr lang="sk-SK" noProof="0" dirty="0" err="1"/>
-              <a:t>sových</a:t>
+              <a:t>gaussových</a:t>
             </a:r>
             <a:r>
               <a:rPr lang="sk-SK" noProof="0" dirty="0"/>
@@ -6790,98 +6753,6 @@
   <p:clrMapOvr>
     <a:masterClrMapping/>
   </p:clrMapOvr>
-  <p:timing>
-    <p:tnLst>
-      <p:par>
-        <p:cTn id="1" dur="indefinite" restart="never" nodeType="tmRoot">
-          <p:childTnLst>
-            <p:seq concurrent="1" nextAc="seek">
-              <p:cTn id="2" dur="indefinite" nodeType="mainSeq">
-                <p:childTnLst>
-                  <p:par>
-                    <p:cTn id="3" fill="hold">
-                      <p:stCondLst>
-                        <p:cond delay="indefinite"/>
-                        <p:cond evt="onBegin" delay="0">
-                          <p:tn val="2"/>
-                        </p:cond>
-                      </p:stCondLst>
-                      <p:childTnLst>
-                        <p:par>
-                          <p:cTn id="4" fill="hold">
-                            <p:stCondLst>
-                              <p:cond delay="0"/>
-                            </p:stCondLst>
-                            <p:childTnLst>
-                              <p:par>
-                                <p:cTn id="5" presetID="10" presetClass="entr" presetSubtype="0" fill="hold" grpId="0" nodeType="withEffect">
-                                  <p:stCondLst>
-                                    <p:cond delay="1000"/>
-                                  </p:stCondLst>
-                                  <p:iterate>
-                                    <p:tmPct val="10000"/>
-                                  </p:iterate>
-                                  <p:childTnLst>
-                                    <p:set>
-                                      <p:cBhvr>
-                                        <p:cTn id="6" dur="1" fill="hold">
-                                          <p:stCondLst>
-                                            <p:cond delay="0"/>
-                                          </p:stCondLst>
-                                        </p:cTn>
-                                        <p:tgtEl>
-                                          <p:spTgt spid="2"/>
-                                        </p:tgtEl>
-                                        <p:attrNameLst>
-                                          <p:attrName>style.visibility</p:attrName>
-                                        </p:attrNameLst>
-                                      </p:cBhvr>
-                                      <p:to>
-                                        <p:strVal val="visible"/>
-                                      </p:to>
-                                    </p:set>
-                                    <p:animEffect transition="in" filter="fade">
-                                      <p:cBhvr>
-                                        <p:cTn id="7" dur="700"/>
-                                        <p:tgtEl>
-                                          <p:spTgt spid="2"/>
-                                        </p:tgtEl>
-                                      </p:cBhvr>
-                                    </p:animEffect>
-                                  </p:childTnLst>
-                                </p:cTn>
-                              </p:par>
-                            </p:childTnLst>
-                          </p:cTn>
-                        </p:par>
-                      </p:childTnLst>
-                    </p:cTn>
-                  </p:par>
-                </p:childTnLst>
-              </p:cTn>
-              <p:prevCondLst>
-                <p:cond evt="onPrev" delay="0">
-                  <p:tgtEl>
-                    <p:sldTgt/>
-                  </p:tgtEl>
-                </p:cond>
-              </p:prevCondLst>
-              <p:nextCondLst>
-                <p:cond evt="onNext" delay="0">
-                  <p:tgtEl>
-                    <p:sldTgt/>
-                  </p:tgtEl>
-                </p:cond>
-              </p:nextCondLst>
-            </p:seq>
-          </p:childTnLst>
-        </p:cTn>
-      </p:par>
-    </p:tnLst>
-    <p:bldLst>
-      <p:bldP spid="2" grpId="0"/>
-    </p:bldLst>
-  </p:timing>
 </p:sld>
 </file>
 
@@ -8827,18 +8698,9 @@
           <a:lstStyle/>
           <a:p>
             <a:r>
-              <a:rPr lang="en-GB" dirty="0" err="1"/>
-              <a:t>Ďakujeme</a:t>
-            </a:r>
-            <a:r>
-              <a:rPr lang="en-GB" dirty="0"/>
-              <a:t> za </a:t>
-            </a:r>
-            <a:r>
-              <a:rPr lang="en-GB" dirty="0" err="1"/>
-              <a:t>pozornosť</a:t>
-            </a:r>
-            <a:endParaRPr lang="sk-SK" dirty="0"/>
+              <a:rPr lang="sk-SK" noProof="0" dirty="0"/>
+              <a:t>Ďakujeme za pozornosť</a:t>
+            </a:r>
           </a:p>
         </p:txBody>
       </p:sp>
